--- a/yes bank final.pptx
+++ b/yes bank final.pptx
@@ -8141,7 +8141,7 @@
                   <a:schemeClr val="bg1"/>
                 </a:solidFill>
               </a:rPr>
-              <a:t>Yes Bank Stock Price Prediction</a:t>
+              <a:t>Yes Bank Stock Closing Price Prediction</a:t>
             </a:r>
             <a:br>
               <a:rPr lang="en-GB" sz="4200" b="1" dirty="0">
@@ -8149,13 +8149,11 @@
                   <a:srgbClr val="CC0000"/>
                 </a:solidFill>
                 <a:latin typeface="Montserrat"/>
-                <a:ea typeface="Montserrat"/>
-                <a:cs typeface="Montserrat"/>
                 <a:sym typeface="Montserrat"/>
               </a:rPr>
             </a:br>
             <a:r>
-              <a:rPr lang="en-GB" sz="2400" b="1" dirty="0">
+              <a:rPr lang="en-GB" sz="2400" b="1">
                 <a:solidFill>
                   <a:srgbClr val="CC0000"/>
                 </a:solidFill>
